--- a/linux-container-on-wsl2/images/figures.pptx
+++ b/linux-container-on-wsl2/images/figures.pptx
@@ -6,6 +6,9 @@
   </p:sldMasterIdLst>
   <p:sldIdLst>
     <p:sldId id="256" r:id="rId2"/>
+    <p:sldId id="257" r:id="rId3"/>
+    <p:sldId id="258" r:id="rId4"/>
+    <p:sldId id="259" r:id="rId5"/>
   </p:sldIdLst>
   <p:sldSz cx="12192000" cy="6858000"/>
   <p:notesSz cx="6858000" cy="9144000"/>
@@ -3628,8 +3631,8 @@
         </p:nvSpPr>
         <p:spPr>
           <a:xfrm>
-            <a:off x="486425" y="1796142"/>
-            <a:ext cx="10446507" cy="4549515"/>
+            <a:off x="486425" y="2641600"/>
+            <a:ext cx="10446507" cy="3704057"/>
           </a:xfrm>
           <a:prstGeom prst="rect">
             <a:avLst/>
@@ -3870,8 +3873,8 @@
         </p:nvSpPr>
         <p:spPr>
           <a:xfrm>
-            <a:off x="2895599" y="3393339"/>
-            <a:ext cx="7767210" cy="2576169"/>
+            <a:off x="2895599" y="2844801"/>
+            <a:ext cx="7767210" cy="3124708"/>
           </a:xfrm>
           <a:prstGeom prst="roundRect">
             <a:avLst>
@@ -3959,7 +3962,7 @@
         <p:spPr>
           <a:xfrm>
             <a:off x="3254829" y="5370249"/>
-            <a:ext cx="7173559" cy="430839"/>
+            <a:ext cx="7316387" cy="430839"/>
           </a:xfrm>
           <a:prstGeom prst="roundRect">
             <a:avLst/>
@@ -4006,8 +4009,8 @@
         </p:nvSpPr>
         <p:spPr>
           <a:xfrm>
-            <a:off x="3254829" y="3581400"/>
-            <a:ext cx="1396524" cy="1695297"/>
+            <a:off x="3254829" y="2927592"/>
+            <a:ext cx="1396524" cy="2349105"/>
           </a:xfrm>
           <a:prstGeom prst="roundRect">
             <a:avLst/>
@@ -4069,7 +4072,7 @@
         <p:spPr>
           <a:xfrm>
             <a:off x="5714373" y="4814821"/>
-            <a:ext cx="4714015" cy="430839"/>
+            <a:ext cx="4856843" cy="430839"/>
           </a:xfrm>
           <a:prstGeom prst="roundRect">
             <a:avLst/>
@@ -4116,8 +4119,8 @@
         </p:nvSpPr>
         <p:spPr>
           <a:xfrm>
-            <a:off x="5714372" y="4293550"/>
-            <a:ext cx="4714016" cy="430839"/>
+            <a:off x="5714371" y="4293550"/>
+            <a:ext cx="4856845" cy="430839"/>
           </a:xfrm>
           <a:prstGeom prst="roundRect">
             <a:avLst/>
@@ -4249,7 +4252,7 @@
         <p:spPr>
           <a:xfrm>
             <a:off x="5716090" y="3806308"/>
-            <a:ext cx="4714015" cy="430839"/>
+            <a:ext cx="4856845" cy="430839"/>
           </a:xfrm>
           <a:prstGeom prst="roundRect">
             <a:avLst/>
@@ -4296,8 +4299,8 @@
         </p:nvSpPr>
         <p:spPr>
           <a:xfrm>
-            <a:off x="5716090" y="2927592"/>
-            <a:ext cx="1413179" cy="815658"/>
+            <a:off x="5719319" y="2927592"/>
+            <a:ext cx="1554497" cy="815658"/>
           </a:xfrm>
           <a:prstGeom prst="roundRect">
             <a:avLst/>
@@ -4324,9 +4327,16 @@
             <a:pPr algn="ctr"/>
             <a:r>
               <a:rPr kumimoji="1" lang="en-US" altLang="ja-JP" sz="1400" dirty="0"/>
-              <a:t>Ubuntu</a:t>
-            </a:r>
-            <a:endParaRPr kumimoji="1" lang="ja-JP" altLang="en-US" sz="1400"/>
+              <a:t>App</a:t>
+            </a:r>
+            <a:br>
+              <a:rPr lang="en-US" altLang="ja-JP" sz="1400" dirty="0"/>
+            </a:br>
+            <a:r>
+              <a:rPr lang="en-US" altLang="ja-JP" sz="1400" dirty="0"/>
+              <a:t>Container</a:t>
+            </a:r>
+            <a:endParaRPr kumimoji="1" lang="ja-JP" altLang="en-US" sz="1400" dirty="0"/>
           </a:p>
         </p:txBody>
       </p:sp>
@@ -4344,8 +4354,8 @@
         </p:nvSpPr>
         <p:spPr>
           <a:xfrm>
-            <a:off x="7365650" y="2919034"/>
-            <a:ext cx="1413179" cy="815658"/>
+            <a:off x="7368879" y="2919034"/>
+            <a:ext cx="1554497" cy="815658"/>
           </a:xfrm>
           <a:prstGeom prst="roundRect">
             <a:avLst/>
@@ -4372,9 +4382,16 @@
             <a:pPr algn="ctr"/>
             <a:r>
               <a:rPr kumimoji="1" lang="en-US" altLang="ja-JP" sz="1400" dirty="0"/>
-              <a:t>Ubuntu</a:t>
-            </a:r>
-            <a:endParaRPr kumimoji="1" lang="ja-JP" altLang="en-US" sz="1400"/>
+              <a:t>App</a:t>
+            </a:r>
+            <a:br>
+              <a:rPr lang="en-US" altLang="ja-JP" sz="1400" dirty="0"/>
+            </a:br>
+            <a:r>
+              <a:rPr lang="en-US" altLang="ja-JP" sz="1400" dirty="0"/>
+              <a:t>Container</a:t>
+            </a:r>
+            <a:endParaRPr kumimoji="1" lang="ja-JP" altLang="en-US" sz="1400" dirty="0"/>
           </a:p>
         </p:txBody>
       </p:sp>
@@ -4392,8 +4409,8 @@
         </p:nvSpPr>
         <p:spPr>
           <a:xfrm>
-            <a:off x="9015209" y="2911341"/>
-            <a:ext cx="1413179" cy="815658"/>
+            <a:off x="9018438" y="2911341"/>
+            <a:ext cx="1554497" cy="815658"/>
           </a:xfrm>
           <a:prstGeom prst="roundRect">
             <a:avLst/>
@@ -4420,9 +4437,16 @@
             <a:pPr algn="ctr"/>
             <a:r>
               <a:rPr kumimoji="1" lang="en-US" altLang="ja-JP" sz="1400" dirty="0"/>
-              <a:t>Ubuntu</a:t>
-            </a:r>
-            <a:endParaRPr kumimoji="1" lang="ja-JP" altLang="en-US" sz="1400"/>
+              <a:t>App</a:t>
+            </a:r>
+            <a:br>
+              <a:rPr lang="en-US" altLang="ja-JP" sz="1400" dirty="0"/>
+            </a:br>
+            <a:r>
+              <a:rPr lang="en-US" altLang="ja-JP" sz="1400" dirty="0"/>
+              <a:t>Container</a:t>
+            </a:r>
+            <a:endParaRPr kumimoji="1" lang="ja-JP" altLang="en-US" sz="1400" dirty="0"/>
           </a:p>
         </p:txBody>
       </p:sp>
@@ -4430,6 +4454,295 @@
     <p:extLst>
       <p:ext uri="{BB962C8B-B14F-4D97-AF65-F5344CB8AC3E}">
         <p14:creationId xmlns:p14="http://schemas.microsoft.com/office/powerpoint/2010/main" val="3491340927"/>
+      </p:ext>
+    </p:extLst>
+  </p:cSld>
+  <p:clrMapOvr>
+    <a:masterClrMapping/>
+  </p:clrMapOvr>
+</p:sld>
+</file>
+
+<file path=ppt/slides/slide2.xml><?xml version="1.0" encoding="utf-8"?>
+<p:sld xmlns:a="http://schemas.openxmlformats.org/drawingml/2006/main" xmlns:r="http://schemas.openxmlformats.org/officeDocument/2006/relationships" xmlns:p="http://schemas.openxmlformats.org/presentationml/2006/main">
+  <p:cSld>
+    <p:spTree>
+      <p:nvGrpSpPr>
+        <p:cNvPr id="1" name=""/>
+        <p:cNvGrpSpPr/>
+        <p:nvPr/>
+      </p:nvGrpSpPr>
+      <p:grpSpPr>
+        <a:xfrm>
+          <a:off x="0" y="0"/>
+          <a:ext cx="0" cy="0"/>
+          <a:chOff x="0" y="0"/>
+          <a:chExt cx="0" cy="0"/>
+        </a:xfrm>
+      </p:grpSpPr>
+      <p:pic>
+        <p:nvPicPr>
+          <p:cNvPr id="3" name="図 2">
+            <a:extLst>
+              <a:ext uri="{FF2B5EF4-FFF2-40B4-BE49-F238E27FC236}">
+                <a16:creationId xmlns:a16="http://schemas.microsoft.com/office/drawing/2014/main" id="{3DB28983-F102-446B-FA31-49F1CE09762B}"/>
+              </a:ext>
+            </a:extLst>
+          </p:cNvPr>
+          <p:cNvPicPr>
+            <a:picLocks noChangeAspect="1"/>
+          </p:cNvPicPr>
+          <p:nvPr/>
+        </p:nvPicPr>
+        <p:blipFill>
+          <a:blip r:embed="rId2"/>
+          <a:stretch>
+            <a:fillRect/>
+          </a:stretch>
+        </p:blipFill>
+        <p:spPr>
+          <a:xfrm>
+            <a:off x="3342587" y="1086948"/>
+            <a:ext cx="5506827" cy="4684105"/>
+          </a:xfrm>
+          <a:prstGeom prst="rect">
+            <a:avLst/>
+          </a:prstGeom>
+          <a:ln>
+            <a:noFill/>
+          </a:ln>
+          <a:effectLst>
+            <a:outerShdw blurRad="292100" dist="139700" dir="2700000" algn="tl" rotWithShape="0">
+              <a:srgbClr val="333333">
+                <a:alpha val="65000"/>
+              </a:srgbClr>
+            </a:outerShdw>
+          </a:effectLst>
+        </p:spPr>
+      </p:pic>
+    </p:spTree>
+    <p:extLst>
+      <p:ext uri="{BB962C8B-B14F-4D97-AF65-F5344CB8AC3E}">
+        <p14:creationId xmlns:p14="http://schemas.microsoft.com/office/powerpoint/2010/main" val="1533863902"/>
+      </p:ext>
+    </p:extLst>
+  </p:cSld>
+  <p:clrMapOvr>
+    <a:masterClrMapping/>
+  </p:clrMapOvr>
+</p:sld>
+</file>
+
+<file path=ppt/slides/slide3.xml><?xml version="1.0" encoding="utf-8"?>
+<p:sld xmlns:a="http://schemas.openxmlformats.org/drawingml/2006/main" xmlns:r="http://schemas.openxmlformats.org/officeDocument/2006/relationships" xmlns:p="http://schemas.openxmlformats.org/presentationml/2006/main">
+  <p:cSld>
+    <p:spTree>
+      <p:nvGrpSpPr>
+        <p:cNvPr id="1" name=""/>
+        <p:cNvGrpSpPr/>
+        <p:nvPr/>
+      </p:nvGrpSpPr>
+      <p:grpSpPr>
+        <a:xfrm>
+          <a:off x="0" y="0"/>
+          <a:ext cx="0" cy="0"/>
+          <a:chOff x="0" y="0"/>
+          <a:chExt cx="0" cy="0"/>
+        </a:xfrm>
+      </p:grpSpPr>
+      <p:pic>
+        <p:nvPicPr>
+          <p:cNvPr id="3" name="図 2">
+            <a:extLst>
+              <a:ext uri="{FF2B5EF4-FFF2-40B4-BE49-F238E27FC236}">
+                <a16:creationId xmlns:a16="http://schemas.microsoft.com/office/drawing/2014/main" id="{13EE0087-9D17-5949-A752-34166B2F8DE3}"/>
+              </a:ext>
+            </a:extLst>
+          </p:cNvPr>
+          <p:cNvPicPr>
+            <a:picLocks noChangeAspect="1"/>
+          </p:cNvPicPr>
+          <p:nvPr/>
+        </p:nvPicPr>
+        <p:blipFill>
+          <a:blip r:embed="rId2"/>
+          <a:stretch>
+            <a:fillRect/>
+          </a:stretch>
+        </p:blipFill>
+        <p:spPr>
+          <a:xfrm>
+            <a:off x="621088" y="296537"/>
+            <a:ext cx="6676404" cy="5667768"/>
+          </a:xfrm>
+          <a:prstGeom prst="rect">
+            <a:avLst/>
+          </a:prstGeom>
+          <a:ln>
+            <a:noFill/>
+          </a:ln>
+          <a:effectLst>
+            <a:outerShdw blurRad="292100" dist="139700" dir="2700000" algn="tl" rotWithShape="0">
+              <a:srgbClr val="333333">
+                <a:alpha val="65000"/>
+              </a:srgbClr>
+            </a:outerShdw>
+          </a:effectLst>
+        </p:spPr>
+      </p:pic>
+      <p:pic>
+        <p:nvPicPr>
+          <p:cNvPr id="5" name="図 4">
+            <a:extLst>
+              <a:ext uri="{FF2B5EF4-FFF2-40B4-BE49-F238E27FC236}">
+                <a16:creationId xmlns:a16="http://schemas.microsoft.com/office/drawing/2014/main" id="{C901ADD9-FB5A-32C1-16ED-A4F1744A3C8D}"/>
+              </a:ext>
+            </a:extLst>
+          </p:cNvPr>
+          <p:cNvPicPr>
+            <a:picLocks noChangeAspect="1"/>
+          </p:cNvPicPr>
+          <p:nvPr/>
+        </p:nvPicPr>
+        <p:blipFill>
+          <a:blip r:embed="rId3"/>
+          <a:stretch>
+            <a:fillRect/>
+          </a:stretch>
+        </p:blipFill>
+        <p:spPr>
+          <a:xfrm>
+            <a:off x="5714679" y="1021633"/>
+            <a:ext cx="6286362" cy="4684105"/>
+          </a:xfrm>
+          <a:prstGeom prst="rect">
+            <a:avLst/>
+          </a:prstGeom>
+          <a:ln>
+            <a:noFill/>
+          </a:ln>
+          <a:effectLst>
+            <a:outerShdw blurRad="292100" dist="139700" dir="2700000" algn="tl" rotWithShape="0">
+              <a:srgbClr val="333333">
+                <a:alpha val="65000"/>
+              </a:srgbClr>
+            </a:outerShdw>
+          </a:effectLst>
+        </p:spPr>
+      </p:pic>
+    </p:spTree>
+    <p:extLst>
+      <p:ext uri="{BB962C8B-B14F-4D97-AF65-F5344CB8AC3E}">
+        <p14:creationId xmlns:p14="http://schemas.microsoft.com/office/powerpoint/2010/main" val="2193029714"/>
+      </p:ext>
+    </p:extLst>
+  </p:cSld>
+  <p:clrMapOvr>
+    <a:masterClrMapping/>
+  </p:clrMapOvr>
+</p:sld>
+</file>
+
+<file path=ppt/slides/slide4.xml><?xml version="1.0" encoding="utf-8"?>
+<p:sld xmlns:a="http://schemas.openxmlformats.org/drawingml/2006/main" xmlns:r="http://schemas.openxmlformats.org/officeDocument/2006/relationships" xmlns:p="http://schemas.openxmlformats.org/presentationml/2006/main">
+  <p:cSld>
+    <p:spTree>
+      <p:nvGrpSpPr>
+        <p:cNvPr id="1" name=""/>
+        <p:cNvGrpSpPr/>
+        <p:nvPr/>
+      </p:nvGrpSpPr>
+      <p:grpSpPr>
+        <a:xfrm>
+          <a:off x="0" y="0"/>
+          <a:ext cx="0" cy="0"/>
+          <a:chOff x="0" y="0"/>
+          <a:chExt cx="0" cy="0"/>
+        </a:xfrm>
+      </p:grpSpPr>
+      <p:pic>
+        <p:nvPicPr>
+          <p:cNvPr id="3" name="図 2">
+            <a:extLst>
+              <a:ext uri="{FF2B5EF4-FFF2-40B4-BE49-F238E27FC236}">
+                <a16:creationId xmlns:a16="http://schemas.microsoft.com/office/drawing/2014/main" id="{5847B6F0-FCE2-FCD8-3E3F-739192433D89}"/>
+              </a:ext>
+            </a:extLst>
+          </p:cNvPr>
+          <p:cNvPicPr>
+            <a:picLocks noChangeAspect="1"/>
+          </p:cNvPicPr>
+          <p:nvPr/>
+        </p:nvPicPr>
+        <p:blipFill rotWithShape="1">
+          <a:blip r:embed="rId2"/>
+          <a:srcRect r="16483" b="56319"/>
+          <a:stretch/>
+        </p:blipFill>
+        <p:spPr>
+          <a:xfrm>
+            <a:off x="430827" y="422638"/>
+            <a:ext cx="6311429" cy="2475737"/>
+          </a:xfrm>
+          <a:prstGeom prst="rect">
+            <a:avLst/>
+          </a:prstGeom>
+          <a:ln>
+            <a:noFill/>
+          </a:ln>
+          <a:effectLst>
+            <a:outerShdw blurRad="292100" dist="139700" dir="2700000" algn="tl" rotWithShape="0">
+              <a:srgbClr val="333333">
+                <a:alpha val="65000"/>
+              </a:srgbClr>
+            </a:outerShdw>
+          </a:effectLst>
+        </p:spPr>
+      </p:pic>
+      <p:pic>
+        <p:nvPicPr>
+          <p:cNvPr id="5" name="図 4">
+            <a:extLst>
+              <a:ext uri="{FF2B5EF4-FFF2-40B4-BE49-F238E27FC236}">
+                <a16:creationId xmlns:a16="http://schemas.microsoft.com/office/drawing/2014/main" id="{D233367F-C8A9-7022-41D4-E94B05F88202}"/>
+              </a:ext>
+            </a:extLst>
+          </p:cNvPr>
+          <p:cNvPicPr>
+            <a:picLocks noChangeAspect="1"/>
+          </p:cNvPicPr>
+          <p:nvPr/>
+        </p:nvPicPr>
+        <p:blipFill>
+          <a:blip r:embed="rId3"/>
+          <a:stretch>
+            <a:fillRect/>
+          </a:stretch>
+        </p:blipFill>
+        <p:spPr>
+          <a:xfrm>
+            <a:off x="5233850" y="751096"/>
+            <a:ext cx="5792650" cy="3041140"/>
+          </a:xfrm>
+          <a:prstGeom prst="rect">
+            <a:avLst/>
+          </a:prstGeom>
+          <a:ln>
+            <a:noFill/>
+          </a:ln>
+          <a:effectLst>
+            <a:outerShdw blurRad="292100" dist="139700" dir="2700000" algn="tl" rotWithShape="0">
+              <a:srgbClr val="333333">
+                <a:alpha val="65000"/>
+              </a:srgbClr>
+            </a:outerShdw>
+          </a:effectLst>
+        </p:spPr>
+      </p:pic>
+    </p:spTree>
+    <p:extLst>
+      <p:ext uri="{BB962C8B-B14F-4D97-AF65-F5344CB8AC3E}">
+        <p14:creationId xmlns:p14="http://schemas.microsoft.com/office/powerpoint/2010/main" val="1954633903"/>
       </p:ext>
     </p:extLst>
   </p:cSld>
